--- a/Report MC.pptx
+++ b/Report MC.pptx
@@ -5,7 +5,7 @@
     <p:sldMasterId id="2147483648" r:id="rId1"/>
   </p:sldMasterIdLst>
   <p:notesMasterIdLst>
-    <p:notesMasterId r:id="rId13"/>
+    <p:notesMasterId r:id="rId14"/>
   </p:notesMasterIdLst>
   <p:sldIdLst>
     <p:sldId id="256" r:id="rId2"/>
@@ -13,12 +13,13 @@
     <p:sldId id="258" r:id="rId4"/>
     <p:sldId id="259" r:id="rId5"/>
     <p:sldId id="261" r:id="rId6"/>
-    <p:sldId id="262" r:id="rId7"/>
-    <p:sldId id="263" r:id="rId8"/>
-    <p:sldId id="264" r:id="rId9"/>
-    <p:sldId id="265" r:id="rId10"/>
-    <p:sldId id="266" r:id="rId11"/>
-    <p:sldId id="267" r:id="rId12"/>
+    <p:sldId id="269" r:id="rId7"/>
+    <p:sldId id="262" r:id="rId8"/>
+    <p:sldId id="263" r:id="rId9"/>
+    <p:sldId id="264" r:id="rId10"/>
+    <p:sldId id="265" r:id="rId11"/>
+    <p:sldId id="266" r:id="rId12"/>
+    <p:sldId id="267" r:id="rId13"/>
   </p:sldIdLst>
   <p:sldSz cx="12192000" cy="6858000"/>
   <p:notesSz cx="6858000" cy="9144000"/>
@@ -624,7 +625,7 @@
           <a:p>
             <a:fld id="{807475A2-2532-4AB3-92A9-BAFB122CA3DD}" type="slidenum">
               <a:rPr lang="en-IN" smtClean="0"/>
-              <a:t>8</a:t>
+              <a:t>9</a:t>
             </a:fld>
             <a:endParaRPr lang="en-IN"/>
           </a:p>
@@ -708,7 +709,7 @@
           <a:p>
             <a:fld id="{807475A2-2532-4AB3-92A9-BAFB122CA3DD}" type="slidenum">
               <a:rPr lang="en-IN" smtClean="0"/>
-              <a:t>10</a:t>
+              <a:t>11</a:t>
             </a:fld>
             <a:endParaRPr lang="en-IN"/>
           </a:p>
@@ -4277,6 +4278,203 @@
           <p:cNvPr id="2" name="Title 1">
             <a:extLst>
               <a:ext uri="{FF2B5EF4-FFF2-40B4-BE49-F238E27FC236}">
+                <a16:creationId xmlns:a16="http://schemas.microsoft.com/office/drawing/2014/main" id="{CDB91395-70C5-E997-B970-CA7B8A725F48}"/>
+              </a:ext>
+            </a:extLst>
+          </p:cNvPr>
+          <p:cNvSpPr>
+            <a:spLocks noGrp="1"/>
+          </p:cNvSpPr>
+          <p:nvPr>
+            <p:ph type="title"/>
+          </p:nvPr>
+        </p:nvSpPr>
+        <p:spPr>
+          <a:xfrm>
+            <a:off x="795809" y="812291"/>
+            <a:ext cx="10515600" cy="1325563"/>
+          </a:xfrm>
+        </p:spPr>
+        <p:txBody>
+          <a:bodyPr/>
+          <a:lstStyle/>
+          <a:p>
+            <a:pPr algn="ctr"/>
+            <a:r>
+              <a:rPr lang="en-IN" b="1" dirty="0">
+                <a:latin typeface="Times New Roman" panose="02020603050405020304" pitchFamily="18" charset="0"/>
+                <a:cs typeface="Times New Roman" panose="02020603050405020304" pitchFamily="18" charset="0"/>
+              </a:rPr>
+              <a:t>Conclusion</a:t>
+            </a:r>
+          </a:p>
+        </p:txBody>
+      </p:sp>
+      <p:sp>
+        <p:nvSpPr>
+          <p:cNvPr id="3" name="Content Placeholder 2">
+            <a:extLst>
+              <a:ext uri="{FF2B5EF4-FFF2-40B4-BE49-F238E27FC236}">
+                <a16:creationId xmlns:a16="http://schemas.microsoft.com/office/drawing/2014/main" id="{B765E766-EB53-E10F-E31C-17E2BD4765B7}"/>
+              </a:ext>
+            </a:extLst>
+          </p:cNvPr>
+          <p:cNvSpPr>
+            <a:spLocks noGrp="1"/>
+          </p:cNvSpPr>
+          <p:nvPr>
+            <p:ph idx="1"/>
+          </p:nvPr>
+        </p:nvSpPr>
+        <p:spPr>
+          <a:xfrm>
+            <a:off x="998220" y="1603777"/>
+            <a:ext cx="10195560" cy="4351338"/>
+          </a:xfrm>
+        </p:spPr>
+        <p:txBody>
+          <a:bodyPr>
+            <a:noAutofit/>
+          </a:bodyPr>
+          <a:lstStyle/>
+          <a:p>
+            <a:pPr>
+              <a:lnSpc>
+                <a:spcPct val="100000"/>
+              </a:lnSpc>
+              <a:buNone/>
+            </a:pPr>
+            <a:r>
+              <a:rPr lang="en-US" sz="2000" dirty="0"/>
+              <a:t>    </a:t>
+            </a:r>
+          </a:p>
+          <a:p>
+            <a:pPr>
+              <a:lnSpc>
+                <a:spcPct val="100000"/>
+              </a:lnSpc>
+              <a:buNone/>
+            </a:pPr>
+            <a:endParaRPr lang="en-US" sz="2000" dirty="0"/>
+          </a:p>
+          <a:p>
+            <a:pPr>
+              <a:lnSpc>
+                <a:spcPct val="100000"/>
+              </a:lnSpc>
+              <a:buNone/>
+            </a:pPr>
+            <a:r>
+              <a:rPr lang="en-US" sz="2000" dirty="0"/>
+              <a:t>     The </a:t>
+            </a:r>
+            <a:r>
+              <a:rPr lang="en-US" sz="2000" b="1" dirty="0"/>
+              <a:t>Real-time Bus Tracking System for Campus Transport</a:t>
+            </a:r>
+            <a:r>
+              <a:rPr lang="en-US" sz="2000" dirty="0"/>
+              <a:t> effectively enhances the efficiency and convenience of campus transportation by providing real-time bus location tracking, estimated arrival times, and live updates to users. This system improves commuter experience, reduces wait times, and ensures better planning for students, faculty, and staff. Despite challenges such as GPS signal limitations and internet dependency, the system demonstrates significant potential for enhancing campus mobility. With future advancements in AI optimization and broader integrations, this system can evolve into a key component of a smart campus infrastructure.</a:t>
+            </a:r>
+            <a:endParaRPr lang="en-US" sz="2000" dirty="0">
+              <a:latin typeface="Times New Roman" panose="02020603050405020304" pitchFamily="18" charset="0"/>
+              <a:cs typeface="Times New Roman" panose="02020603050405020304" pitchFamily="18" charset="0"/>
+            </a:endParaRPr>
+          </a:p>
+        </p:txBody>
+      </p:sp>
+      <p:pic>
+        <p:nvPicPr>
+          <p:cNvPr id="4" name="object 4">
+            <a:extLst>
+              <a:ext uri="{FF2B5EF4-FFF2-40B4-BE49-F238E27FC236}">
+                <a16:creationId xmlns:a16="http://schemas.microsoft.com/office/drawing/2014/main" id="{582CB3A6-4827-669E-1D27-F7F0E3A84691}"/>
+              </a:ext>
+            </a:extLst>
+          </p:cNvPr>
+          <p:cNvPicPr/>
+          <p:nvPr/>
+        </p:nvPicPr>
+        <p:blipFill>
+          <a:blip r:embed="rId2" cstate="print"/>
+          <a:stretch>
+            <a:fillRect/>
+          </a:stretch>
+        </p:blipFill>
+        <p:spPr>
+          <a:xfrm>
+            <a:off x="489432" y="140843"/>
+            <a:ext cx="1103582" cy="1342897"/>
+          </a:xfrm>
+          <a:prstGeom prst="rect">
+            <a:avLst/>
+          </a:prstGeom>
+        </p:spPr>
+      </p:pic>
+      <p:pic>
+        <p:nvPicPr>
+          <p:cNvPr id="5" name="object 5">
+            <a:extLst>
+              <a:ext uri="{FF2B5EF4-FFF2-40B4-BE49-F238E27FC236}">
+                <a16:creationId xmlns:a16="http://schemas.microsoft.com/office/drawing/2014/main" id="{443D68CD-31C9-A0C7-188A-B7411725A2A4}"/>
+              </a:ext>
+            </a:extLst>
+          </p:cNvPr>
+          <p:cNvPicPr/>
+          <p:nvPr/>
+        </p:nvPicPr>
+        <p:blipFill>
+          <a:blip r:embed="rId3" cstate="print"/>
+          <a:stretch>
+            <a:fillRect/>
+          </a:stretch>
+        </p:blipFill>
+        <p:spPr>
+          <a:xfrm>
+            <a:off x="10514203" y="191643"/>
+            <a:ext cx="1520062" cy="1342897"/>
+          </a:xfrm>
+          <a:prstGeom prst="rect">
+            <a:avLst/>
+          </a:prstGeom>
+        </p:spPr>
+      </p:pic>
+    </p:spTree>
+    <p:extLst>
+      <p:ext uri="{BB962C8B-B14F-4D97-AF65-F5344CB8AC3E}">
+        <p14:creationId xmlns:p14="http://schemas.microsoft.com/office/powerpoint/2010/main" val="63223178"/>
+      </p:ext>
+    </p:extLst>
+  </p:cSld>
+  <p:clrMapOvr>
+    <a:masterClrMapping/>
+  </p:clrMapOvr>
+</p:sld>
+</file>
+
+<file path=ppt/slides/slide11.xml><?xml version="1.0" encoding="utf-8"?>
+<p:sld xmlns:a="http://schemas.openxmlformats.org/drawingml/2006/main" xmlns:r="http://schemas.openxmlformats.org/officeDocument/2006/relationships" xmlns:p="http://schemas.openxmlformats.org/presentationml/2006/main">
+  <p:cSld>
+    <p:spTree>
+      <p:nvGrpSpPr>
+        <p:cNvPr id="1" name=""/>
+        <p:cNvGrpSpPr/>
+        <p:nvPr/>
+      </p:nvGrpSpPr>
+      <p:grpSpPr>
+        <a:xfrm>
+          <a:off x="0" y="0"/>
+          <a:ext cx="0" cy="0"/>
+          <a:chOff x="0" y="0"/>
+          <a:chExt cx="0" cy="0"/>
+        </a:xfrm>
+      </p:grpSpPr>
+      <p:sp>
+        <p:nvSpPr>
+          <p:cNvPr id="2" name="Title 1">
+            <a:extLst>
+              <a:ext uri="{FF2B5EF4-FFF2-40B4-BE49-F238E27FC236}">
                 <a16:creationId xmlns:a16="http://schemas.microsoft.com/office/drawing/2014/main" id="{FB6A3DFB-064A-DFC7-84C3-527F24B665C5}"/>
               </a:ext>
             </a:extLst>
@@ -4764,7 +4962,7 @@
 </p:sld>
 </file>
 
-<file path=ppt/slides/slide11.xml><?xml version="1.0" encoding="utf-8"?>
+<file path=ppt/slides/slide12.xml><?xml version="1.0" encoding="utf-8"?>
 <p:sld xmlns:a="http://schemas.openxmlformats.org/drawingml/2006/main" xmlns:r="http://schemas.openxmlformats.org/officeDocument/2006/relationships" xmlns:p="http://schemas.openxmlformats.org/presentationml/2006/main">
   <p:cSld>
     <p:spTree>
@@ -6591,6 +6789,102 @@
           <p:cNvPr id="2" name="Title 1">
             <a:extLst>
               <a:ext uri="{FF2B5EF4-FFF2-40B4-BE49-F238E27FC236}">
+                <a16:creationId xmlns:a16="http://schemas.microsoft.com/office/drawing/2014/main" id="{49713FC8-4FC8-63CB-FF88-39D18AA1432E}"/>
+              </a:ext>
+            </a:extLst>
+          </p:cNvPr>
+          <p:cNvSpPr>
+            <a:spLocks noGrp="1"/>
+          </p:cNvSpPr>
+          <p:nvPr>
+            <p:ph type="ctrTitle"/>
+          </p:nvPr>
+        </p:nvSpPr>
+        <p:spPr>
+          <a:xfrm>
+            <a:off x="1447800" y="191030"/>
+            <a:ext cx="9144000" cy="841904"/>
+          </a:xfrm>
+        </p:spPr>
+        <p:txBody>
+          <a:bodyPr>
+            <a:normAutofit/>
+          </a:bodyPr>
+          <a:lstStyle/>
+          <a:p>
+            <a:r>
+              <a:rPr lang="en-US" sz="3600" b="1" dirty="0"/>
+              <a:t>Code And Output</a:t>
+            </a:r>
+            <a:endParaRPr lang="en-IN" sz="3600" b="1" dirty="0"/>
+          </a:p>
+        </p:txBody>
+      </p:sp>
+      <p:pic>
+        <p:nvPicPr>
+          <p:cNvPr id="6" name="Picture 5">
+            <a:extLst>
+              <a:ext uri="{FF2B5EF4-FFF2-40B4-BE49-F238E27FC236}">
+                <a16:creationId xmlns:a16="http://schemas.microsoft.com/office/drawing/2014/main" id="{76B74616-CF04-5DBF-F601-E090A9040154}"/>
+              </a:ext>
+            </a:extLst>
+          </p:cNvPr>
+          <p:cNvPicPr>
+            <a:picLocks noChangeAspect="1"/>
+          </p:cNvPicPr>
+          <p:nvPr/>
+        </p:nvPicPr>
+        <p:blipFill>
+          <a:blip r:embed="rId2"/>
+          <a:stretch>
+            <a:fillRect/>
+          </a:stretch>
+        </p:blipFill>
+        <p:spPr>
+          <a:xfrm>
+            <a:off x="394307" y="1134004"/>
+            <a:ext cx="11403385" cy="5639330"/>
+          </a:xfrm>
+          <a:prstGeom prst="rect">
+            <a:avLst/>
+          </a:prstGeom>
+        </p:spPr>
+      </p:pic>
+    </p:spTree>
+    <p:extLst>
+      <p:ext uri="{BB962C8B-B14F-4D97-AF65-F5344CB8AC3E}">
+        <p14:creationId xmlns:p14="http://schemas.microsoft.com/office/powerpoint/2010/main" val="3707928368"/>
+      </p:ext>
+    </p:extLst>
+  </p:cSld>
+  <p:clrMapOvr>
+    <a:masterClrMapping/>
+  </p:clrMapOvr>
+</p:sld>
+</file>
+
+<file path=ppt/slides/slide7.xml><?xml version="1.0" encoding="utf-8"?>
+<p:sld xmlns:a="http://schemas.openxmlformats.org/drawingml/2006/main" xmlns:r="http://schemas.openxmlformats.org/officeDocument/2006/relationships" xmlns:p="http://schemas.openxmlformats.org/presentationml/2006/main">
+  <p:cSld>
+    <p:spTree>
+      <p:nvGrpSpPr>
+        <p:cNvPr id="1" name=""/>
+        <p:cNvGrpSpPr/>
+        <p:nvPr/>
+      </p:nvGrpSpPr>
+      <p:grpSpPr>
+        <a:xfrm>
+          <a:off x="0" y="0"/>
+          <a:ext cx="0" cy="0"/>
+          <a:chOff x="0" y="0"/>
+          <a:chExt cx="0" cy="0"/>
+        </a:xfrm>
+      </p:grpSpPr>
+      <p:sp>
+        <p:nvSpPr>
+          <p:cNvPr id="2" name="Title 1">
+            <a:extLst>
+              <a:ext uri="{FF2B5EF4-FFF2-40B4-BE49-F238E27FC236}">
                 <a16:creationId xmlns:a16="http://schemas.microsoft.com/office/drawing/2014/main" id="{E6D4B7A7-5EF5-BB4B-12CA-3E4A9D3471F4}"/>
               </a:ext>
             </a:extLst>
@@ -7067,7 +7361,7 @@
 </p:sld>
 </file>
 
-<file path=ppt/slides/slide7.xml><?xml version="1.0" encoding="utf-8"?>
+<file path=ppt/slides/slide8.xml><?xml version="1.0" encoding="utf-8"?>
 <p:sld xmlns:a="http://schemas.openxmlformats.org/drawingml/2006/main" xmlns:r="http://schemas.openxmlformats.org/officeDocument/2006/relationships" xmlns:p="http://schemas.openxmlformats.org/presentationml/2006/main">
   <p:cSld>
     <p:spTree>
@@ -7307,7 +7601,7 @@
 </p:sld>
 </file>
 
-<file path=ppt/slides/slide8.xml><?xml version="1.0" encoding="utf-8"?>
+<file path=ppt/slides/slide9.xml><?xml version="1.0" encoding="utf-8"?>
 <p:sld xmlns:a="http://schemas.openxmlformats.org/drawingml/2006/main" xmlns:r="http://schemas.openxmlformats.org/officeDocument/2006/relationships" xmlns:p="http://schemas.openxmlformats.org/presentationml/2006/main">
   <p:cSld>
     <p:spTree>
@@ -7527,203 +7821,6 @@
     <p:extLst>
       <p:ext uri="{BB962C8B-B14F-4D97-AF65-F5344CB8AC3E}">
         <p14:creationId xmlns:p14="http://schemas.microsoft.com/office/powerpoint/2010/main" val="3822186904"/>
-      </p:ext>
-    </p:extLst>
-  </p:cSld>
-  <p:clrMapOvr>
-    <a:masterClrMapping/>
-  </p:clrMapOvr>
-</p:sld>
-</file>
-
-<file path=ppt/slides/slide9.xml><?xml version="1.0" encoding="utf-8"?>
-<p:sld xmlns:a="http://schemas.openxmlformats.org/drawingml/2006/main" xmlns:r="http://schemas.openxmlformats.org/officeDocument/2006/relationships" xmlns:p="http://schemas.openxmlformats.org/presentationml/2006/main">
-  <p:cSld>
-    <p:spTree>
-      <p:nvGrpSpPr>
-        <p:cNvPr id="1" name=""/>
-        <p:cNvGrpSpPr/>
-        <p:nvPr/>
-      </p:nvGrpSpPr>
-      <p:grpSpPr>
-        <a:xfrm>
-          <a:off x="0" y="0"/>
-          <a:ext cx="0" cy="0"/>
-          <a:chOff x="0" y="0"/>
-          <a:chExt cx="0" cy="0"/>
-        </a:xfrm>
-      </p:grpSpPr>
-      <p:sp>
-        <p:nvSpPr>
-          <p:cNvPr id="2" name="Title 1">
-            <a:extLst>
-              <a:ext uri="{FF2B5EF4-FFF2-40B4-BE49-F238E27FC236}">
-                <a16:creationId xmlns:a16="http://schemas.microsoft.com/office/drawing/2014/main" id="{CDB91395-70C5-E997-B970-CA7B8A725F48}"/>
-              </a:ext>
-            </a:extLst>
-          </p:cNvPr>
-          <p:cNvSpPr>
-            <a:spLocks noGrp="1"/>
-          </p:cNvSpPr>
-          <p:nvPr>
-            <p:ph type="title"/>
-          </p:nvPr>
-        </p:nvSpPr>
-        <p:spPr>
-          <a:xfrm>
-            <a:off x="795809" y="812291"/>
-            <a:ext cx="10515600" cy="1325563"/>
-          </a:xfrm>
-        </p:spPr>
-        <p:txBody>
-          <a:bodyPr/>
-          <a:lstStyle/>
-          <a:p>
-            <a:pPr algn="ctr"/>
-            <a:r>
-              <a:rPr lang="en-IN" b="1" dirty="0">
-                <a:latin typeface="Times New Roman" panose="02020603050405020304" pitchFamily="18" charset="0"/>
-                <a:cs typeface="Times New Roman" panose="02020603050405020304" pitchFamily="18" charset="0"/>
-              </a:rPr>
-              <a:t>Conclusion</a:t>
-            </a:r>
-          </a:p>
-        </p:txBody>
-      </p:sp>
-      <p:sp>
-        <p:nvSpPr>
-          <p:cNvPr id="3" name="Content Placeholder 2">
-            <a:extLst>
-              <a:ext uri="{FF2B5EF4-FFF2-40B4-BE49-F238E27FC236}">
-                <a16:creationId xmlns:a16="http://schemas.microsoft.com/office/drawing/2014/main" id="{B765E766-EB53-E10F-E31C-17E2BD4765B7}"/>
-              </a:ext>
-            </a:extLst>
-          </p:cNvPr>
-          <p:cNvSpPr>
-            <a:spLocks noGrp="1"/>
-          </p:cNvSpPr>
-          <p:nvPr>
-            <p:ph idx="1"/>
-          </p:nvPr>
-        </p:nvSpPr>
-        <p:spPr>
-          <a:xfrm>
-            <a:off x="998220" y="1603777"/>
-            <a:ext cx="10195560" cy="4351338"/>
-          </a:xfrm>
-        </p:spPr>
-        <p:txBody>
-          <a:bodyPr>
-            <a:noAutofit/>
-          </a:bodyPr>
-          <a:lstStyle/>
-          <a:p>
-            <a:pPr>
-              <a:lnSpc>
-                <a:spcPct val="100000"/>
-              </a:lnSpc>
-              <a:buNone/>
-            </a:pPr>
-            <a:r>
-              <a:rPr lang="en-US" sz="2000" dirty="0"/>
-              <a:t>    </a:t>
-            </a:r>
-          </a:p>
-          <a:p>
-            <a:pPr>
-              <a:lnSpc>
-                <a:spcPct val="100000"/>
-              </a:lnSpc>
-              <a:buNone/>
-            </a:pPr>
-            <a:endParaRPr lang="en-US" sz="2000" dirty="0"/>
-          </a:p>
-          <a:p>
-            <a:pPr>
-              <a:lnSpc>
-                <a:spcPct val="100000"/>
-              </a:lnSpc>
-              <a:buNone/>
-            </a:pPr>
-            <a:r>
-              <a:rPr lang="en-US" sz="2000" dirty="0"/>
-              <a:t>     The </a:t>
-            </a:r>
-            <a:r>
-              <a:rPr lang="en-US" sz="2000" b="1" dirty="0"/>
-              <a:t>Real-time Bus Tracking System for Campus Transport</a:t>
-            </a:r>
-            <a:r>
-              <a:rPr lang="en-US" sz="2000" dirty="0"/>
-              <a:t> effectively enhances the efficiency and convenience of campus transportation by providing real-time bus location tracking, estimated arrival times, and live updates to users. This system improves commuter experience, reduces wait times, and ensures better planning for students, faculty, and staff. Despite challenges such as GPS signal limitations and internet dependency, the system demonstrates significant potential for enhancing campus mobility. With future advancements in AI optimization and broader integrations, this system can evolve into a key component of a smart campus infrastructure.</a:t>
-            </a:r>
-            <a:endParaRPr lang="en-US" sz="2000" dirty="0">
-              <a:latin typeface="Times New Roman" panose="02020603050405020304" pitchFamily="18" charset="0"/>
-              <a:cs typeface="Times New Roman" panose="02020603050405020304" pitchFamily="18" charset="0"/>
-            </a:endParaRPr>
-          </a:p>
-        </p:txBody>
-      </p:sp>
-      <p:pic>
-        <p:nvPicPr>
-          <p:cNvPr id="4" name="object 4">
-            <a:extLst>
-              <a:ext uri="{FF2B5EF4-FFF2-40B4-BE49-F238E27FC236}">
-                <a16:creationId xmlns:a16="http://schemas.microsoft.com/office/drawing/2014/main" id="{582CB3A6-4827-669E-1D27-F7F0E3A84691}"/>
-              </a:ext>
-            </a:extLst>
-          </p:cNvPr>
-          <p:cNvPicPr/>
-          <p:nvPr/>
-        </p:nvPicPr>
-        <p:blipFill>
-          <a:blip r:embed="rId2" cstate="print"/>
-          <a:stretch>
-            <a:fillRect/>
-          </a:stretch>
-        </p:blipFill>
-        <p:spPr>
-          <a:xfrm>
-            <a:off x="489432" y="140843"/>
-            <a:ext cx="1103582" cy="1342897"/>
-          </a:xfrm>
-          <a:prstGeom prst="rect">
-            <a:avLst/>
-          </a:prstGeom>
-        </p:spPr>
-      </p:pic>
-      <p:pic>
-        <p:nvPicPr>
-          <p:cNvPr id="5" name="object 5">
-            <a:extLst>
-              <a:ext uri="{FF2B5EF4-FFF2-40B4-BE49-F238E27FC236}">
-                <a16:creationId xmlns:a16="http://schemas.microsoft.com/office/drawing/2014/main" id="{443D68CD-31C9-A0C7-188A-B7411725A2A4}"/>
-              </a:ext>
-            </a:extLst>
-          </p:cNvPr>
-          <p:cNvPicPr/>
-          <p:nvPr/>
-        </p:nvPicPr>
-        <p:blipFill>
-          <a:blip r:embed="rId3" cstate="print"/>
-          <a:stretch>
-            <a:fillRect/>
-          </a:stretch>
-        </p:blipFill>
-        <p:spPr>
-          <a:xfrm>
-            <a:off x="10514203" y="191643"/>
-            <a:ext cx="1520062" cy="1342897"/>
-          </a:xfrm>
-          <a:prstGeom prst="rect">
-            <a:avLst/>
-          </a:prstGeom>
-        </p:spPr>
-      </p:pic>
-    </p:spTree>
-    <p:extLst>
-      <p:ext uri="{BB962C8B-B14F-4D97-AF65-F5344CB8AC3E}">
-        <p14:creationId xmlns:p14="http://schemas.microsoft.com/office/powerpoint/2010/main" val="63223178"/>
       </p:ext>
     </p:extLst>
   </p:cSld>
